--- a/FinalPPT.pptx
+++ b/FinalPPT.pptx
@@ -13,13 +13,16 @@
     <p:sldId id="259" r:id="rId7"/>
     <p:sldId id="270" r:id="rId8"/>
     <p:sldId id="269" r:id="rId9"/>
-    <p:sldId id="260" r:id="rId10"/>
-    <p:sldId id="263" r:id="rId11"/>
-    <p:sldId id="264" r:id="rId12"/>
-    <p:sldId id="265" r:id="rId13"/>
-    <p:sldId id="266" r:id="rId14"/>
-    <p:sldId id="267" r:id="rId15"/>
-    <p:sldId id="268" r:id="rId16"/>
+    <p:sldId id="263" r:id="rId10"/>
+    <p:sldId id="260" r:id="rId11"/>
+    <p:sldId id="265" r:id="rId12"/>
+    <p:sldId id="266" r:id="rId13"/>
+    <p:sldId id="267" r:id="rId14"/>
+    <p:sldId id="268" r:id="rId15"/>
+    <p:sldId id="264" r:id="rId16"/>
+    <p:sldId id="271" r:id="rId17"/>
+    <p:sldId id="272" r:id="rId18"/>
+    <p:sldId id="273" r:id="rId19"/>
   </p:sldIdLst>
   <p:sldSz cx="12192000" cy="6858000"/>
   <p:notesSz cx="6858000" cy="9144000"/>
@@ -118,6 +121,11 @@
       </a:defRPr>
     </a:lvl9pPr>
   </p:defaultTextStyle>
+  <p:extLst>
+    <p:ext uri="{EFAFB233-063F-42B5-8137-9DF3F51BA10A}">
+      <p15:sldGuideLst xmlns:p15="http://schemas.microsoft.com/office/powerpoint/2012/main"/>
+    </p:ext>
+  </p:extLst>
 </p:presentation>
 </file>
 
@@ -2996,13 +3004,17 @@
         </p:spPr>
         <p:txBody>
           <a:bodyPr>
-            <a:normAutofit fontScale="90000"/>
+            <a:normAutofit/>
           </a:bodyPr>
           <a:lstStyle/>
           <a:p>
             <a:r>
               <a:rPr lang="en-US" dirty="0" smtClean="0"/>
-              <a:t>Analyzing topologies for energy distribution in a biological network</a:t>
+              <a:t>A network model for </a:t>
+            </a:r>
+            <a:r>
+              <a:rPr lang="en-US" dirty="0" err="1" smtClean="0"/>
+              <a:t>multicellularity</a:t>
             </a:r>
             <a:endParaRPr lang="en-US" dirty="0"/>
           </a:p>
@@ -3100,6 +3112,32 @@
           <a:chExt cx="0" cy="0"/>
         </a:xfrm>
       </p:grpSpPr>
+      <p:pic>
+        <p:nvPicPr>
+          <p:cNvPr id="4" name="Content Placeholder 3"/>
+          <p:cNvPicPr>
+            <a:picLocks noGrp="1" noChangeAspect="1"/>
+          </p:cNvPicPr>
+          <p:nvPr>
+            <p:ph idx="1"/>
+          </p:nvPr>
+        </p:nvPicPr>
+        <p:blipFill>
+          <a:blip r:embed="rId2"/>
+          <a:stretch>
+            <a:fillRect/>
+          </a:stretch>
+        </p:blipFill>
+        <p:spPr>
+          <a:xfrm>
+            <a:off x="6096000" y="365126"/>
+            <a:ext cx="5593080" cy="3545802"/>
+          </a:xfrm>
+          <a:prstGeom prst="rect">
+            <a:avLst/>
+          </a:prstGeom>
+        </p:spPr>
+      </p:pic>
       <p:sp>
         <p:nvSpPr>
           <p:cNvPr id="2" name="Title 1"/>
@@ -3115,33 +3153,162 @@
           <a:bodyPr/>
           <a:lstStyle/>
           <a:p>
-            <a:endParaRPr lang="en-US"/>
-          </a:p>
-        </p:txBody>
-      </p:sp>
-      <p:sp>
-        <p:nvSpPr>
-          <p:cNvPr id="3" name="Content Placeholder 2"/>
-          <p:cNvSpPr>
-            <a:spLocks noGrp="1"/>
-          </p:cNvSpPr>
-          <p:nvPr>
-            <p:ph idx="1"/>
-          </p:nvPr>
-        </p:nvSpPr>
-        <p:spPr/>
-        <p:txBody>
-          <a:bodyPr/>
-          <a:lstStyle/>
-          <a:p>
-            <a:endParaRPr lang="en-US"/>
+            <a:r>
+              <a:rPr lang="en-US" dirty="0" smtClean="0"/>
+              <a:t>Extending to othe</a:t>
+            </a:r>
+            <a:r>
+              <a:rPr lang="en-US" dirty="0" smtClean="0"/>
+              <a:t>r networks</a:t>
+            </a:r>
+            <a:endParaRPr lang="en-US" dirty="0"/>
+          </a:p>
+        </p:txBody>
+      </p:sp>
+      <p:pic>
+        <p:nvPicPr>
+          <p:cNvPr id="3" name="Picture 2"/>
+          <p:cNvPicPr>
+            <a:picLocks noChangeAspect="1"/>
+          </p:cNvPicPr>
+          <p:nvPr/>
+        </p:nvPicPr>
+        <p:blipFill>
+          <a:blip r:embed="rId3"/>
+          <a:stretch>
+            <a:fillRect/>
+          </a:stretch>
+        </p:blipFill>
+        <p:spPr>
+          <a:xfrm>
+            <a:off x="5935980" y="3769133"/>
+            <a:ext cx="5753100" cy="3088867"/>
+          </a:xfrm>
+          <a:prstGeom prst="rect">
+            <a:avLst/>
+          </a:prstGeom>
+        </p:spPr>
+      </p:pic>
+      <p:pic>
+        <p:nvPicPr>
+          <p:cNvPr id="1026" name="Picture 2" descr="http://www.solarsystemcentral.com/images/solar_flare_10-09-10.jpg"/>
+          <p:cNvPicPr>
+            <a:picLocks noChangeAspect="1" noChangeArrowheads="1"/>
+          </p:cNvPicPr>
+          <p:nvPr/>
+        </p:nvPicPr>
+        <p:blipFill>
+          <a:blip r:embed="rId4">
+            <a:extLst>
+              <a:ext uri="{28A0092B-C50C-407E-A947-70E740481C1C}">
+                <a14:useLocalDpi xmlns:a14="http://schemas.microsoft.com/office/drawing/2010/main" val="0"/>
+              </a:ext>
+            </a:extLst>
+          </a:blip>
+          <a:srcRect/>
+          <a:stretch>
+            <a:fillRect/>
+          </a:stretch>
+        </p:blipFill>
+        <p:spPr bwMode="auto">
+          <a:xfrm>
+            <a:off x="3147169" y="4267200"/>
+            <a:ext cx="2977931" cy="2590800"/>
+          </a:xfrm>
+          <a:prstGeom prst="rect">
+            <a:avLst/>
+          </a:prstGeom>
+          <a:noFill/>
+          <a:extLst>
+            <a:ext uri="{909E8E84-426E-40DD-AFC4-6F175D3DCCD1}">
+              <a14:hiddenFill xmlns:a14="http://schemas.microsoft.com/office/drawing/2010/main">
+                <a:solidFill>
+                  <a:srgbClr val="FFFFFF"/>
+                </a:solidFill>
+              </a14:hiddenFill>
+            </a:ext>
+          </a:extLst>
+        </p:spPr>
+      </p:pic>
+      <p:pic>
+        <p:nvPicPr>
+          <p:cNvPr id="1028" name="Picture 4" descr="http://p2.la-img.com/62/1494/635750_1_l.jpg"/>
+          <p:cNvPicPr>
+            <a:picLocks noChangeAspect="1" noChangeArrowheads="1"/>
+          </p:cNvPicPr>
+          <p:nvPr/>
+        </p:nvPicPr>
+        <p:blipFill>
+          <a:blip r:embed="rId5">
+            <a:extLst>
+              <a:ext uri="{28A0092B-C50C-407E-A947-70E740481C1C}">
+                <a14:useLocalDpi xmlns:a14="http://schemas.microsoft.com/office/drawing/2010/main" val="0"/>
+              </a:ext>
+            </a:extLst>
+          </a:blip>
+          <a:srcRect/>
+          <a:stretch>
+            <a:fillRect/>
+          </a:stretch>
+        </p:blipFill>
+        <p:spPr bwMode="auto">
+          <a:xfrm>
+            <a:off x="3118069" y="1371872"/>
+            <a:ext cx="2977931" cy="2397261"/>
+          </a:xfrm>
+          <a:prstGeom prst="rect">
+            <a:avLst/>
+          </a:prstGeom>
+          <a:noFill/>
+          <a:extLst>
+            <a:ext uri="{909E8E84-426E-40DD-AFC4-6F175D3DCCD1}">
+              <a14:hiddenFill xmlns:a14="http://schemas.microsoft.com/office/drawing/2010/main">
+                <a:solidFill>
+                  <a:srgbClr val="FFFFFF"/>
+                </a:solidFill>
+              </a14:hiddenFill>
+            </a:ext>
+          </a:extLst>
+        </p:spPr>
+      </p:pic>
+      <p:sp>
+        <p:nvSpPr>
+          <p:cNvPr id="5" name="TextBox 4"/>
+          <p:cNvSpPr txBox="1"/>
+          <p:nvPr/>
+        </p:nvSpPr>
+        <p:spPr>
+          <a:xfrm>
+            <a:off x="121920" y="1690688"/>
+            <a:ext cx="2996149" cy="2554545"/>
+          </a:xfrm>
+          <a:prstGeom prst="rect">
+            <a:avLst/>
+          </a:prstGeom>
+          <a:noFill/>
+        </p:spPr>
+        <p:txBody>
+          <a:bodyPr wrap="square" rtlCol="0">
+            <a:spAutoFit/>
+          </a:bodyPr>
+          <a:lstStyle/>
+          <a:p>
+            <a:r>
+              <a:rPr lang="en-US" sz="2000" dirty="0" smtClean="0"/>
+              <a:t>We define two quantities, S and L with S+L=N, where S and L go from 1 to N-1. S is the number of points in the star-like part. L is the length of the longest path without counting the center of the star</a:t>
+            </a:r>
+            <a:r>
+              <a:rPr lang="en-US" dirty="0" smtClean="0"/>
+              <a:t>.</a:t>
+            </a:r>
+            <a:endParaRPr lang="en-US" sz="2000" dirty="0" smtClean="0"/>
           </a:p>
         </p:txBody>
       </p:sp>
     </p:spTree>
     <p:extLst>
       <p:ext uri="{BB962C8B-B14F-4D97-AF65-F5344CB8AC3E}">
-        <p14:creationId xmlns:p14="http://schemas.microsoft.com/office/powerpoint/2010/main" val="1505380783"/>
+        <p14:creationId xmlns:p14="http://schemas.microsoft.com/office/powerpoint/2010/main" val="3049683742"/>
       </p:ext>
     </p:extLst>
   </p:cSld>
@@ -3178,38 +3345,147 @@
             <p:ph type="title"/>
           </p:nvPr>
         </p:nvSpPr>
-        <p:spPr/>
-        <p:txBody>
-          <a:bodyPr/>
-          <a:lstStyle/>
-          <a:p>
-            <a:endParaRPr lang="en-US"/>
-          </a:p>
-        </p:txBody>
-      </p:sp>
-      <p:sp>
-        <p:nvSpPr>
-          <p:cNvPr id="3" name="Content Placeholder 2"/>
-          <p:cNvSpPr>
-            <a:spLocks noGrp="1"/>
-          </p:cNvSpPr>
+        <p:spPr>
+          <a:xfrm>
+            <a:off x="731520" y="395605"/>
+            <a:ext cx="10515600" cy="1325563"/>
+          </a:xfrm>
+        </p:spPr>
+        <p:txBody>
+          <a:bodyPr/>
+          <a:lstStyle/>
+          <a:p>
+            <a:r>
+              <a:rPr lang="en-US" dirty="0" smtClean="0"/>
+              <a:t>Plot of critical energy for N=20 of the fork</a:t>
+            </a:r>
+            <a:endParaRPr lang="en-US" dirty="0"/>
+          </a:p>
+        </p:txBody>
+      </p:sp>
+      <p:pic>
+        <p:nvPicPr>
+          <p:cNvPr id="6" name="Picture 5"/>
+          <p:cNvPicPr>
+            <a:picLocks noChangeAspect="1"/>
+          </p:cNvPicPr>
+          <p:nvPr/>
+        </p:nvPicPr>
+        <p:blipFill>
+          <a:blip r:embed="rId2">
+            <a:extLst>
+              <a:ext uri="{28A0092B-C50C-407E-A947-70E740481C1C}">
+                <a14:useLocalDpi xmlns:a14="http://schemas.microsoft.com/office/drawing/2010/main" val="0"/>
+              </a:ext>
+            </a:extLst>
+          </a:blip>
+          <a:stretch>
+            <a:fillRect/>
+          </a:stretch>
+        </p:blipFill>
+        <p:spPr>
+          <a:xfrm>
+            <a:off x="165312" y="3123248"/>
+            <a:ext cx="4315248" cy="3236436"/>
+          </a:xfrm>
+          <a:prstGeom prst="rect">
+            <a:avLst/>
+          </a:prstGeom>
+        </p:spPr>
+      </p:pic>
+      <p:sp>
+        <p:nvSpPr>
+          <p:cNvPr id="8" name="TextBox 7"/>
+          <p:cNvSpPr txBox="1"/>
+          <p:nvPr/>
+        </p:nvSpPr>
+        <p:spPr>
+          <a:xfrm>
+            <a:off x="998391" y="2346960"/>
+            <a:ext cx="10360529" cy="584775"/>
+          </a:xfrm>
+          <a:prstGeom prst="rect">
+            <a:avLst/>
+          </a:prstGeom>
+          <a:noFill/>
+        </p:spPr>
+        <p:txBody>
+          <a:bodyPr wrap="none" rtlCol="0">
+            <a:spAutoFit/>
+          </a:bodyPr>
+          <a:lstStyle/>
+          <a:p>
+            <a:r>
+              <a:rPr lang="en-US" sz="3200" dirty="0" smtClean="0"/>
+              <a:t>p=1					p=0.9				p=0.5</a:t>
+            </a:r>
+            <a:endParaRPr lang="en-US" sz="3200" dirty="0"/>
+          </a:p>
+        </p:txBody>
+      </p:sp>
+      <p:pic>
+        <p:nvPicPr>
+          <p:cNvPr id="5" name="Picture 4"/>
+          <p:cNvPicPr>
+            <a:picLocks noChangeAspect="1"/>
+          </p:cNvPicPr>
+          <p:nvPr/>
+        </p:nvPicPr>
+        <p:blipFill>
+          <a:blip r:embed="rId3">
+            <a:extLst>
+              <a:ext uri="{28A0092B-C50C-407E-A947-70E740481C1C}">
+                <a14:useLocalDpi xmlns:a14="http://schemas.microsoft.com/office/drawing/2010/main" val="0"/>
+              </a:ext>
+            </a:extLst>
+          </a:blip>
+          <a:stretch>
+            <a:fillRect/>
+          </a:stretch>
+        </p:blipFill>
+        <p:spPr>
+          <a:xfrm>
+            <a:off x="4021032" y="3123248"/>
+            <a:ext cx="4315248" cy="3236436"/>
+          </a:xfrm>
+          <a:prstGeom prst="rect">
+            <a:avLst/>
+          </a:prstGeom>
+        </p:spPr>
+      </p:pic>
+      <p:pic>
+        <p:nvPicPr>
+          <p:cNvPr id="4" name="Content Placeholder 3"/>
+          <p:cNvPicPr>
+            <a:picLocks noGrp="1" noChangeAspect="1"/>
+          </p:cNvPicPr>
           <p:nvPr>
             <p:ph idx="1"/>
           </p:nvPr>
-        </p:nvSpPr>
-        <p:spPr/>
-        <p:txBody>
-          <a:bodyPr/>
-          <a:lstStyle/>
-          <a:p>
-            <a:endParaRPr lang="en-US"/>
-          </a:p>
-        </p:txBody>
-      </p:sp>
+        </p:nvPicPr>
+        <p:blipFill>
+          <a:blip r:embed="rId4">
+            <a:extLst>
+              <a:ext uri="{28A0092B-C50C-407E-A947-70E740481C1C}">
+                <a14:useLocalDpi xmlns:a14="http://schemas.microsoft.com/office/drawing/2010/main" val="0"/>
+              </a:ext>
+            </a:extLst>
+          </a:blip>
+          <a:stretch>
+            <a:fillRect/>
+          </a:stretch>
+        </p:blipFill>
+        <p:spPr>
+          <a:xfrm>
+            <a:off x="7833360" y="3090704"/>
+            <a:ext cx="4358640" cy="3268980"/>
+          </a:xfrm>
+        </p:spPr>
+      </p:pic>
     </p:spTree>
     <p:extLst>
       <p:ext uri="{BB962C8B-B14F-4D97-AF65-F5344CB8AC3E}">
-        <p14:creationId xmlns:p14="http://schemas.microsoft.com/office/powerpoint/2010/main" val="413644689"/>
+        <p14:creationId xmlns:p14="http://schemas.microsoft.com/office/powerpoint/2010/main" val="3344674580"/>
       </p:ext>
     </p:extLst>
   </p:cSld>
@@ -3236,6 +3512,36 @@
           <a:chExt cx="0" cy="0"/>
         </a:xfrm>
       </p:grpSpPr>
+      <p:pic>
+        <p:nvPicPr>
+          <p:cNvPr id="6" name="Picture 5"/>
+          <p:cNvPicPr>
+            <a:picLocks noChangeAspect="1"/>
+          </p:cNvPicPr>
+          <p:nvPr/>
+        </p:nvPicPr>
+        <p:blipFill>
+          <a:blip r:embed="rId2">
+            <a:extLst>
+              <a:ext uri="{28A0092B-C50C-407E-A947-70E740481C1C}">
+                <a14:useLocalDpi xmlns:a14="http://schemas.microsoft.com/office/drawing/2010/main" val="0"/>
+              </a:ext>
+            </a:extLst>
+          </a:blip>
+          <a:stretch>
+            <a:fillRect/>
+          </a:stretch>
+        </p:blipFill>
+        <p:spPr>
+          <a:xfrm>
+            <a:off x="7924800" y="3185160"/>
+            <a:ext cx="4267200" cy="3200400"/>
+          </a:xfrm>
+          <a:prstGeom prst="rect">
+            <a:avLst/>
+          </a:prstGeom>
+        </p:spPr>
+      </p:pic>
       <p:sp>
         <p:nvSpPr>
           <p:cNvPr id="2" name="Title 1"/>
@@ -3246,38 +3552,125 @@
             <p:ph type="title"/>
           </p:nvPr>
         </p:nvSpPr>
-        <p:spPr/>
-        <p:txBody>
-          <a:bodyPr/>
-          <a:lstStyle/>
-          <a:p>
-            <a:endParaRPr lang="en-US"/>
-          </a:p>
-        </p:txBody>
-      </p:sp>
-      <p:sp>
-        <p:nvSpPr>
-          <p:cNvPr id="3" name="Content Placeholder 2"/>
-          <p:cNvSpPr>
-            <a:spLocks noGrp="1"/>
-          </p:cNvSpPr>
+        <p:spPr>
+          <a:xfrm>
+            <a:off x="838200" y="365125"/>
+            <a:ext cx="11003280" cy="1325563"/>
+          </a:xfrm>
+        </p:spPr>
+        <p:txBody>
+          <a:bodyPr/>
+          <a:lstStyle/>
+          <a:p>
+            <a:r>
+              <a:rPr lang="en-US" dirty="0" smtClean="0"/>
+              <a:t>Plots of critical energy for fork </a:t>
+            </a:r>
+            <a:r>
+              <a:rPr lang="en-US" dirty="0" smtClean="0"/>
+              <a:t>varying N plotting S in the range </a:t>
+            </a:r>
+            <a:r>
+              <a:rPr lang="en-US" dirty="0" smtClean="0"/>
+              <a:t>1 to N-1</a:t>
+            </a:r>
+            <a:endParaRPr lang="en-US" dirty="0"/>
+          </a:p>
+        </p:txBody>
+      </p:sp>
+      <p:pic>
+        <p:nvPicPr>
+          <p:cNvPr id="4" name="Content Placeholder 3"/>
+          <p:cNvPicPr>
+            <a:picLocks noGrp="1" noChangeAspect="1"/>
+          </p:cNvPicPr>
           <p:nvPr>
             <p:ph idx="1"/>
           </p:nvPr>
-        </p:nvSpPr>
-        <p:spPr/>
-        <p:txBody>
-          <a:bodyPr/>
-          <a:lstStyle/>
-          <a:p>
-            <a:endParaRPr lang="en-US"/>
+        </p:nvPicPr>
+        <p:blipFill>
+          <a:blip r:embed="rId3">
+            <a:extLst>
+              <a:ext uri="{28A0092B-C50C-407E-A947-70E740481C1C}">
+                <a14:useLocalDpi xmlns:a14="http://schemas.microsoft.com/office/drawing/2010/main" val="0"/>
+              </a:ext>
+            </a:extLst>
+          </a:blip>
+          <a:stretch>
+            <a:fillRect/>
+          </a:stretch>
+        </p:blipFill>
+        <p:spPr>
+          <a:xfrm>
+            <a:off x="1" y="3150870"/>
+            <a:ext cx="4312919" cy="3234689"/>
+          </a:xfrm>
+        </p:spPr>
+      </p:pic>
+      <p:pic>
+        <p:nvPicPr>
+          <p:cNvPr id="5" name="Picture 4"/>
+          <p:cNvPicPr>
+            <a:picLocks noChangeAspect="1"/>
+          </p:cNvPicPr>
+          <p:nvPr/>
+        </p:nvPicPr>
+        <p:blipFill>
+          <a:blip r:embed="rId4">
+            <a:extLst>
+              <a:ext uri="{28A0092B-C50C-407E-A947-70E740481C1C}">
+                <a14:useLocalDpi xmlns:a14="http://schemas.microsoft.com/office/drawing/2010/main" val="0"/>
+              </a:ext>
+            </a:extLst>
+          </a:blip>
+          <a:stretch>
+            <a:fillRect/>
+          </a:stretch>
+        </p:blipFill>
+        <p:spPr>
+          <a:xfrm>
+            <a:off x="3984837" y="3184523"/>
+            <a:ext cx="4268047" cy="3201036"/>
+          </a:xfrm>
+          <a:prstGeom prst="rect">
+            <a:avLst/>
+          </a:prstGeom>
+        </p:spPr>
+      </p:pic>
+      <p:sp>
+        <p:nvSpPr>
+          <p:cNvPr id="7" name="TextBox 6"/>
+          <p:cNvSpPr txBox="1"/>
+          <p:nvPr/>
+        </p:nvSpPr>
+        <p:spPr>
+          <a:xfrm>
+            <a:off x="997105" y="2399375"/>
+            <a:ext cx="9728945" cy="523220"/>
+          </a:xfrm>
+          <a:prstGeom prst="rect">
+            <a:avLst/>
+          </a:prstGeom>
+          <a:noFill/>
+        </p:spPr>
+        <p:txBody>
+          <a:bodyPr wrap="none" rtlCol="0">
+            <a:spAutoFit/>
+          </a:bodyPr>
+          <a:lstStyle/>
+          <a:p>
+            <a:r>
+              <a:rPr lang="en-US" sz="2800" dirty="0" smtClean="0"/>
+              <a:t>        p=1				p=0.9				     p=0.5</a:t>
+            </a:r>
+            <a:endParaRPr lang="en-US" sz="2800" dirty="0"/>
           </a:p>
         </p:txBody>
       </p:sp>
     </p:spTree>
     <p:extLst>
       <p:ext uri="{BB962C8B-B14F-4D97-AF65-F5344CB8AC3E}">
-        <p14:creationId xmlns:p14="http://schemas.microsoft.com/office/powerpoint/2010/main" val="3344674580"/>
+        <p14:creationId xmlns:p14="http://schemas.microsoft.com/office/powerpoint/2010/main" val="549215304"/>
       </p:ext>
     </p:extLst>
   </p:cSld>
@@ -3319,33 +3712,141 @@
           <a:bodyPr/>
           <a:lstStyle/>
           <a:p>
-            <a:endParaRPr lang="en-US"/>
-          </a:p>
-        </p:txBody>
-      </p:sp>
-      <p:sp>
-        <p:nvSpPr>
-          <p:cNvPr id="3" name="Content Placeholder 2"/>
-          <p:cNvSpPr>
-            <a:spLocks noGrp="1"/>
-          </p:cNvSpPr>
+            <a:r>
+              <a:rPr lang="en-US" dirty="0" smtClean="0"/>
+              <a:t>Critical energy for the stellar flare with constant N=20</a:t>
+            </a:r>
+            <a:endParaRPr lang="en-US" dirty="0"/>
+          </a:p>
+        </p:txBody>
+      </p:sp>
+      <p:pic>
+        <p:nvPicPr>
+          <p:cNvPr id="4" name="Content Placeholder 3"/>
+          <p:cNvPicPr>
+            <a:picLocks noGrp="1" noChangeAspect="1"/>
+          </p:cNvPicPr>
           <p:nvPr>
             <p:ph idx="1"/>
           </p:nvPr>
-        </p:nvSpPr>
-        <p:spPr/>
-        <p:txBody>
-          <a:bodyPr/>
-          <a:lstStyle/>
-          <a:p>
-            <a:endParaRPr lang="en-US"/>
+        </p:nvPicPr>
+        <p:blipFill>
+          <a:blip r:embed="rId2">
+            <a:extLst>
+              <a:ext uri="{28A0092B-C50C-407E-A947-70E740481C1C}">
+                <a14:useLocalDpi xmlns:a14="http://schemas.microsoft.com/office/drawing/2010/main" val="0"/>
+              </a:ext>
+            </a:extLst>
+          </a:blip>
+          <a:stretch>
+            <a:fillRect/>
+          </a:stretch>
+        </p:blipFill>
+        <p:spPr>
+          <a:xfrm>
+            <a:off x="0" y="3063240"/>
+            <a:ext cx="4267200" cy="3200400"/>
+          </a:xfrm>
+        </p:spPr>
+      </p:pic>
+      <p:pic>
+        <p:nvPicPr>
+          <p:cNvPr id="5" name="Picture 4"/>
+          <p:cNvPicPr>
+            <a:picLocks noChangeAspect="1"/>
+          </p:cNvPicPr>
+          <p:nvPr/>
+        </p:nvPicPr>
+        <p:blipFill>
+          <a:blip r:embed="rId3">
+            <a:extLst>
+              <a:ext uri="{28A0092B-C50C-407E-A947-70E740481C1C}">
+                <a14:useLocalDpi xmlns:a14="http://schemas.microsoft.com/office/drawing/2010/main" val="0"/>
+              </a:ext>
+            </a:extLst>
+          </a:blip>
+          <a:stretch>
+            <a:fillRect/>
+          </a:stretch>
+        </p:blipFill>
+        <p:spPr>
+          <a:xfrm>
+            <a:off x="3848100" y="3063240"/>
+            <a:ext cx="4267200" cy="3200400"/>
+          </a:xfrm>
+          <a:prstGeom prst="rect">
+            <a:avLst/>
+          </a:prstGeom>
+        </p:spPr>
+      </p:pic>
+      <p:pic>
+        <p:nvPicPr>
+          <p:cNvPr id="6" name="Picture 5"/>
+          <p:cNvPicPr>
+            <a:picLocks noChangeAspect="1"/>
+          </p:cNvPicPr>
+          <p:nvPr/>
+        </p:nvPicPr>
+        <p:blipFill>
+          <a:blip r:embed="rId4">
+            <a:extLst>
+              <a:ext uri="{28A0092B-C50C-407E-A947-70E740481C1C}">
+                <a14:useLocalDpi xmlns:a14="http://schemas.microsoft.com/office/drawing/2010/main" val="0"/>
+              </a:ext>
+            </a:extLst>
+          </a:blip>
+          <a:stretch>
+            <a:fillRect/>
+          </a:stretch>
+        </p:blipFill>
+        <p:spPr>
+          <a:xfrm>
+            <a:off x="7696200" y="3063240"/>
+            <a:ext cx="4267200" cy="3200400"/>
+          </a:xfrm>
+          <a:prstGeom prst="rect">
+            <a:avLst/>
+          </a:prstGeom>
+        </p:spPr>
+      </p:pic>
+      <p:sp>
+        <p:nvSpPr>
+          <p:cNvPr id="7" name="TextBox 6"/>
+          <p:cNvSpPr txBox="1"/>
+          <p:nvPr/>
+        </p:nvSpPr>
+        <p:spPr>
+          <a:xfrm>
+            <a:off x="502920" y="2192298"/>
+            <a:ext cx="10243510" cy="523220"/>
+          </a:xfrm>
+          <a:prstGeom prst="rect">
+            <a:avLst/>
+          </a:prstGeom>
+          <a:noFill/>
+        </p:spPr>
+        <p:txBody>
+          <a:bodyPr wrap="none" rtlCol="0">
+            <a:spAutoFit/>
+          </a:bodyPr>
+          <a:lstStyle/>
+          <a:p>
+            <a:r>
+              <a:rPr lang="en-US" sz="2800" dirty="0"/>
+              <a:t>	</a:t>
+            </a:r>
+            <a:r>
+              <a:rPr lang="en-US" sz="2800" dirty="0" smtClean="0"/>
+              <a:t>   p=1				       p=0.9				p=0.4</a:t>
+            </a:r>
+            <a:endParaRPr lang="en-US" sz="2800" dirty="0"/>
           </a:p>
         </p:txBody>
       </p:sp>
     </p:spTree>
     <p:extLst>
       <p:ext uri="{BB962C8B-B14F-4D97-AF65-F5344CB8AC3E}">
-        <p14:creationId xmlns:p14="http://schemas.microsoft.com/office/powerpoint/2010/main" val="549215304"/>
+        <p14:creationId xmlns:p14="http://schemas.microsoft.com/office/powerpoint/2010/main" val="2877588890"/>
       </p:ext>
     </p:extLst>
   </p:cSld>
@@ -3387,33 +3888,137 @@
           <a:bodyPr/>
           <a:lstStyle/>
           <a:p>
-            <a:endParaRPr lang="en-US"/>
-          </a:p>
-        </p:txBody>
-      </p:sp>
-      <p:sp>
-        <p:nvSpPr>
-          <p:cNvPr id="3" name="Content Placeholder 2"/>
-          <p:cNvSpPr>
-            <a:spLocks noGrp="1"/>
-          </p:cNvSpPr>
+            <a:r>
+              <a:rPr lang="en-US" dirty="0" smtClean="0"/>
+              <a:t>Critical energy of the stellar flare varying N and plotting S in the range 1 to N-1</a:t>
+            </a:r>
+            <a:endParaRPr lang="en-US" dirty="0"/>
+          </a:p>
+        </p:txBody>
+      </p:sp>
+      <p:pic>
+        <p:nvPicPr>
+          <p:cNvPr id="4" name="Content Placeholder 3"/>
+          <p:cNvPicPr>
+            <a:picLocks noGrp="1" noChangeAspect="1"/>
+          </p:cNvPicPr>
           <p:nvPr>
             <p:ph idx="1"/>
           </p:nvPr>
-        </p:nvSpPr>
-        <p:spPr/>
-        <p:txBody>
-          <a:bodyPr/>
-          <a:lstStyle/>
-          <a:p>
-            <a:endParaRPr lang="en-US"/>
+        </p:nvPicPr>
+        <p:blipFill>
+          <a:blip r:embed="rId2">
+            <a:extLst>
+              <a:ext uri="{28A0092B-C50C-407E-A947-70E740481C1C}">
+                <a14:useLocalDpi xmlns:a14="http://schemas.microsoft.com/office/drawing/2010/main" val="0"/>
+              </a:ext>
+            </a:extLst>
+          </a:blip>
+          <a:stretch>
+            <a:fillRect/>
+          </a:stretch>
+        </p:blipFill>
+        <p:spPr>
+          <a:xfrm>
+            <a:off x="-15240" y="3352800"/>
+            <a:ext cx="3901440" cy="2926080"/>
+          </a:xfrm>
+        </p:spPr>
+      </p:pic>
+      <p:pic>
+        <p:nvPicPr>
+          <p:cNvPr id="5" name="Picture 4"/>
+          <p:cNvPicPr>
+            <a:picLocks noChangeAspect="1"/>
+          </p:cNvPicPr>
+          <p:nvPr/>
+        </p:nvPicPr>
+        <p:blipFill>
+          <a:blip r:embed="rId3">
+            <a:extLst>
+              <a:ext uri="{28A0092B-C50C-407E-A947-70E740481C1C}">
+                <a14:useLocalDpi xmlns:a14="http://schemas.microsoft.com/office/drawing/2010/main" val="0"/>
+              </a:ext>
+            </a:extLst>
+          </a:blip>
+          <a:stretch>
+            <a:fillRect/>
+          </a:stretch>
+        </p:blipFill>
+        <p:spPr>
+          <a:xfrm>
+            <a:off x="4130040" y="3329940"/>
+            <a:ext cx="3931920" cy="2948940"/>
+          </a:xfrm>
+          <a:prstGeom prst="rect">
+            <a:avLst/>
+          </a:prstGeom>
+        </p:spPr>
+      </p:pic>
+      <p:pic>
+        <p:nvPicPr>
+          <p:cNvPr id="6" name="Picture 5"/>
+          <p:cNvPicPr>
+            <a:picLocks noChangeAspect="1"/>
+          </p:cNvPicPr>
+          <p:nvPr/>
+        </p:nvPicPr>
+        <p:blipFill>
+          <a:blip r:embed="rId4">
+            <a:extLst>
+              <a:ext uri="{28A0092B-C50C-407E-A947-70E740481C1C}">
+                <a14:useLocalDpi xmlns:a14="http://schemas.microsoft.com/office/drawing/2010/main" val="0"/>
+              </a:ext>
+            </a:extLst>
+          </a:blip>
+          <a:stretch>
+            <a:fillRect/>
+          </a:stretch>
+        </p:blipFill>
+        <p:spPr>
+          <a:xfrm>
+            <a:off x="8183880" y="3284220"/>
+            <a:ext cx="3992880" cy="2994660"/>
+          </a:xfrm>
+          <a:prstGeom prst="rect">
+            <a:avLst/>
+          </a:prstGeom>
+        </p:spPr>
+      </p:pic>
+      <p:sp>
+        <p:nvSpPr>
+          <p:cNvPr id="7" name="TextBox 6"/>
+          <p:cNvSpPr txBox="1"/>
+          <p:nvPr/>
+        </p:nvSpPr>
+        <p:spPr>
+          <a:xfrm>
+            <a:off x="838200" y="2481114"/>
+            <a:ext cx="10243510" cy="523220"/>
+          </a:xfrm>
+          <a:prstGeom prst="rect">
+            <a:avLst/>
+          </a:prstGeom>
+          <a:noFill/>
+        </p:spPr>
+        <p:txBody>
+          <a:bodyPr wrap="none" rtlCol="0">
+            <a:spAutoFit/>
+          </a:bodyPr>
+          <a:lstStyle/>
+          <a:p>
+            <a:r>
+              <a:rPr lang="en-US" sz="2800" dirty="0" smtClean="0"/>
+              <a:t>	p=1				     p=0.9				p=0.5</a:t>
+            </a:r>
+            <a:endParaRPr lang="en-US" sz="2800" dirty="0"/>
           </a:p>
         </p:txBody>
       </p:sp>
     </p:spTree>
     <p:extLst>
       <p:ext uri="{BB962C8B-B14F-4D97-AF65-F5344CB8AC3E}">
-        <p14:creationId xmlns:p14="http://schemas.microsoft.com/office/powerpoint/2010/main" val="2877588890"/>
+        <p14:creationId xmlns:p14="http://schemas.microsoft.com/office/powerpoint/2010/main" val="689080359"/>
       </p:ext>
     </p:extLst>
   </p:cSld>
@@ -3455,7 +4060,11 @@
           <a:bodyPr/>
           <a:lstStyle/>
           <a:p>
-            <a:endParaRPr lang="en-US"/>
+            <a:r>
+              <a:rPr lang="en-US" dirty="0" smtClean="0"/>
+              <a:t>Robustness</a:t>
+            </a:r>
+            <a:endParaRPr lang="en-US" dirty="0"/>
           </a:p>
         </p:txBody>
       </p:sp>
@@ -3474,14 +4083,542 @@
           <a:bodyPr/>
           <a:lstStyle/>
           <a:p>
-            <a:endParaRPr lang="en-US"/>
+            <a:r>
+              <a:rPr lang="en-US" dirty="0" smtClean="0"/>
+              <a:t>A robust system is one that loses a small proportion of its total cells when it first drops below the critical energy.</a:t>
+            </a:r>
+            <a:endParaRPr lang="en-US" dirty="0"/>
+          </a:p>
+        </p:txBody>
+      </p:sp>
+      <p:pic>
+        <p:nvPicPr>
+          <p:cNvPr id="4" name="Content Placeholder 3"/>
+          <p:cNvPicPr>
+            <a:picLocks noChangeAspect="1"/>
+          </p:cNvPicPr>
+          <p:nvPr/>
+        </p:nvPicPr>
+        <p:blipFill>
+          <a:blip r:embed="rId2"/>
+          <a:stretch>
+            <a:fillRect/>
+          </a:stretch>
+        </p:blipFill>
+        <p:spPr>
+          <a:xfrm>
+            <a:off x="0" y="3834228"/>
+            <a:ext cx="4206240" cy="1575972"/>
+          </a:xfrm>
+          <a:prstGeom prst="rect">
+            <a:avLst/>
+          </a:prstGeom>
+        </p:spPr>
+      </p:pic>
+      <p:pic>
+        <p:nvPicPr>
+          <p:cNvPr id="5" name="Content Placeholder 3"/>
+          <p:cNvPicPr>
+            <a:picLocks noChangeAspect="1"/>
+          </p:cNvPicPr>
+          <p:nvPr/>
+        </p:nvPicPr>
+        <p:blipFill>
+          <a:blip r:embed="rId3"/>
+          <a:stretch>
+            <a:fillRect/>
+          </a:stretch>
+        </p:blipFill>
+        <p:spPr>
+          <a:xfrm>
+            <a:off x="4084320" y="4800082"/>
+            <a:ext cx="3246120" cy="2057918"/>
+          </a:xfrm>
+          <a:prstGeom prst="rect">
+            <a:avLst/>
+          </a:prstGeom>
+        </p:spPr>
+      </p:pic>
+      <p:pic>
+        <p:nvPicPr>
+          <p:cNvPr id="6" name="Picture 5"/>
+          <p:cNvPicPr>
+            <a:picLocks noChangeAspect="1"/>
+          </p:cNvPicPr>
+          <p:nvPr/>
+        </p:nvPicPr>
+        <p:blipFill>
+          <a:blip r:embed="rId4"/>
+          <a:stretch>
+            <a:fillRect/>
+          </a:stretch>
+        </p:blipFill>
+        <p:spPr>
+          <a:xfrm>
+            <a:off x="8049071" y="4137422"/>
+            <a:ext cx="3304729" cy="2296397"/>
+          </a:xfrm>
+          <a:prstGeom prst="rect">
+            <a:avLst/>
+          </a:prstGeom>
+        </p:spPr>
+      </p:pic>
+      <p:cxnSp>
+        <p:nvCxnSpPr>
+          <p:cNvPr id="12" name="Straight Connector 11"/>
+          <p:cNvCxnSpPr/>
+          <p:nvPr/>
+        </p:nvCxnSpPr>
+        <p:spPr>
+          <a:xfrm flipV="1">
+            <a:off x="411480" y="3063240"/>
+            <a:ext cx="10820400" cy="45720"/>
+          </a:xfrm>
+          <a:prstGeom prst="line">
+            <a:avLst/>
+          </a:prstGeom>
+        </p:spPr>
+        <p:style>
+          <a:lnRef idx="1">
+            <a:schemeClr val="accent1"/>
+          </a:lnRef>
+          <a:fillRef idx="0">
+            <a:schemeClr val="accent1"/>
+          </a:fillRef>
+          <a:effectRef idx="0">
+            <a:schemeClr val="accent1"/>
+          </a:effectRef>
+          <a:fontRef idx="minor">
+            <a:schemeClr val="tx1"/>
+          </a:fontRef>
+        </p:style>
+      </p:cxnSp>
+      <p:cxnSp>
+        <p:nvCxnSpPr>
+          <p:cNvPr id="14" name="Straight Connector 13"/>
+          <p:cNvCxnSpPr/>
+          <p:nvPr/>
+        </p:nvCxnSpPr>
+        <p:spPr>
+          <a:xfrm>
+            <a:off x="411480" y="2904134"/>
+            <a:ext cx="0" cy="460858"/>
+          </a:xfrm>
+          <a:prstGeom prst="line">
+            <a:avLst/>
+          </a:prstGeom>
+        </p:spPr>
+        <p:style>
+          <a:lnRef idx="1">
+            <a:schemeClr val="accent1"/>
+          </a:lnRef>
+          <a:fillRef idx="0">
+            <a:schemeClr val="accent1"/>
+          </a:fillRef>
+          <a:effectRef idx="0">
+            <a:schemeClr val="accent1"/>
+          </a:effectRef>
+          <a:fontRef idx="minor">
+            <a:schemeClr val="tx1"/>
+          </a:fontRef>
+        </p:style>
+      </p:cxnSp>
+      <p:sp>
+        <p:nvSpPr>
+          <p:cNvPr id="15" name="TextBox 14"/>
+          <p:cNvSpPr txBox="1"/>
+          <p:nvPr/>
+        </p:nvSpPr>
+        <p:spPr>
+          <a:xfrm>
+            <a:off x="292608" y="2801722"/>
+            <a:ext cx="1355179" cy="923330"/>
+          </a:xfrm>
+          <a:prstGeom prst="rect">
+            <a:avLst/>
+          </a:prstGeom>
+          <a:noFill/>
+        </p:spPr>
+        <p:txBody>
+          <a:bodyPr wrap="none" rtlCol="0">
+            <a:spAutoFit/>
+          </a:bodyPr>
+          <a:lstStyle/>
+          <a:p>
+            <a:endParaRPr lang="en-US" dirty="0" smtClean="0"/>
+          </a:p>
+          <a:p>
+            <a:endParaRPr lang="en-US" dirty="0"/>
+          </a:p>
+          <a:p>
+            <a:r>
+              <a:rPr lang="en-US" dirty="0" smtClean="0"/>
+              <a:t>More robust</a:t>
+            </a:r>
+            <a:endParaRPr lang="en-US" dirty="0"/>
+          </a:p>
+        </p:txBody>
+      </p:sp>
+      <p:cxnSp>
+        <p:nvCxnSpPr>
+          <p:cNvPr id="17" name="Straight Connector 16"/>
+          <p:cNvCxnSpPr/>
+          <p:nvPr/>
+        </p:nvCxnSpPr>
+        <p:spPr>
+          <a:xfrm flipH="1">
+            <a:off x="11221517" y="2633472"/>
+            <a:ext cx="14630" cy="885139"/>
+          </a:xfrm>
+          <a:prstGeom prst="line">
+            <a:avLst/>
+          </a:prstGeom>
+        </p:spPr>
+        <p:style>
+          <a:lnRef idx="1">
+            <a:schemeClr val="accent1"/>
+          </a:lnRef>
+          <a:fillRef idx="0">
+            <a:schemeClr val="accent1"/>
+          </a:fillRef>
+          <a:effectRef idx="0">
+            <a:schemeClr val="accent1"/>
+          </a:effectRef>
+          <a:fontRef idx="minor">
+            <a:schemeClr val="tx1"/>
+          </a:fontRef>
+        </p:style>
+      </p:cxnSp>
+      <p:sp>
+        <p:nvSpPr>
+          <p:cNvPr id="19" name="TextBox 18"/>
+          <p:cNvSpPr txBox="1"/>
+          <p:nvPr/>
+        </p:nvSpPr>
+        <p:spPr>
+          <a:xfrm>
+            <a:off x="10371103" y="3352739"/>
+            <a:ext cx="1331583" cy="369332"/>
+          </a:xfrm>
+          <a:prstGeom prst="rect">
+            <a:avLst/>
+          </a:prstGeom>
+          <a:noFill/>
+        </p:spPr>
+        <p:txBody>
+          <a:bodyPr wrap="none" rtlCol="0">
+            <a:spAutoFit/>
+          </a:bodyPr>
+          <a:lstStyle/>
+          <a:p>
+            <a:r>
+              <a:rPr lang="en-US" dirty="0" smtClean="0"/>
+              <a:t>Least robust</a:t>
+            </a:r>
+            <a:endParaRPr lang="en-US" dirty="0"/>
           </a:p>
         </p:txBody>
       </p:sp>
     </p:spTree>
     <p:extLst>
       <p:ext uri="{BB962C8B-B14F-4D97-AF65-F5344CB8AC3E}">
-        <p14:creationId xmlns:p14="http://schemas.microsoft.com/office/powerpoint/2010/main" val="689080359"/>
+        <p14:creationId xmlns:p14="http://schemas.microsoft.com/office/powerpoint/2010/main" val="413644689"/>
+      </p:ext>
+    </p:extLst>
+  </p:cSld>
+  <p:clrMapOvr>
+    <a:masterClrMapping/>
+  </p:clrMapOvr>
+</p:sld>
+</file>
+
+<file path=ppt/slides/slide16.xml><?xml version="1.0" encoding="utf-8"?>
+<p:sld xmlns:a="http://schemas.openxmlformats.org/drawingml/2006/main" xmlns:r="http://schemas.openxmlformats.org/officeDocument/2006/relationships" xmlns:p="http://schemas.openxmlformats.org/presentationml/2006/main">
+  <p:cSld>
+    <p:spTree>
+      <p:nvGrpSpPr>
+        <p:cNvPr id="1" name=""/>
+        <p:cNvGrpSpPr/>
+        <p:nvPr/>
+      </p:nvGrpSpPr>
+      <p:grpSpPr>
+        <a:xfrm>
+          <a:off x="0" y="0"/>
+          <a:ext cx="0" cy="0"/>
+          <a:chOff x="0" y="0"/>
+          <a:chExt cx="0" cy="0"/>
+        </a:xfrm>
+      </p:grpSpPr>
+      <p:sp>
+        <p:nvSpPr>
+          <p:cNvPr id="2" name="Title 1"/>
+          <p:cNvSpPr>
+            <a:spLocks noGrp="1"/>
+          </p:cNvSpPr>
+          <p:nvPr>
+            <p:ph type="title"/>
+          </p:nvPr>
+        </p:nvSpPr>
+        <p:spPr>
+          <a:xfrm>
+            <a:off x="518160" y="365125"/>
+            <a:ext cx="11155680" cy="1325563"/>
+          </a:xfrm>
+        </p:spPr>
+        <p:txBody>
+          <a:bodyPr/>
+          <a:lstStyle/>
+          <a:p>
+            <a:r>
+              <a:rPr lang="en-US" dirty="0" smtClean="0"/>
+              <a:t>Recursive formula for critical energy (in progress)</a:t>
+            </a:r>
+            <a:endParaRPr lang="en-US" dirty="0"/>
+          </a:p>
+        </p:txBody>
+      </p:sp>
+      <p:sp>
+        <p:nvSpPr>
+          <p:cNvPr id="3" name="Content Placeholder 2"/>
+          <p:cNvSpPr>
+            <a:spLocks noGrp="1"/>
+          </p:cNvSpPr>
+          <p:nvPr>
+            <p:ph idx="1"/>
+          </p:nvPr>
+        </p:nvSpPr>
+        <p:spPr/>
+        <p:txBody>
+          <a:bodyPr/>
+          <a:lstStyle/>
+          <a:p>
+            <a:r>
+              <a:rPr lang="en-US" dirty="0" smtClean="0"/>
+              <a:t>Idea: Develop a recursive formula dependent on the energy function 	 and the branching factor at each node.</a:t>
+            </a:r>
+            <a:endParaRPr lang="en-US" dirty="0"/>
+          </a:p>
+        </p:txBody>
+      </p:sp>
+    </p:spTree>
+    <p:extLst>
+      <p:ext uri="{BB962C8B-B14F-4D97-AF65-F5344CB8AC3E}">
+        <p14:creationId xmlns:p14="http://schemas.microsoft.com/office/powerpoint/2010/main" val="2579317899"/>
+      </p:ext>
+    </p:extLst>
+  </p:cSld>
+  <p:clrMapOvr>
+    <a:masterClrMapping/>
+  </p:clrMapOvr>
+</p:sld>
+</file>
+
+<file path=ppt/slides/slide17.xml><?xml version="1.0" encoding="utf-8"?>
+<p:sld xmlns:a="http://schemas.openxmlformats.org/drawingml/2006/main" xmlns:r="http://schemas.openxmlformats.org/officeDocument/2006/relationships" xmlns:p="http://schemas.openxmlformats.org/presentationml/2006/main">
+  <p:cSld>
+    <p:spTree>
+      <p:nvGrpSpPr>
+        <p:cNvPr id="1" name=""/>
+        <p:cNvGrpSpPr/>
+        <p:nvPr/>
+      </p:nvGrpSpPr>
+      <p:grpSpPr>
+        <a:xfrm>
+          <a:off x="0" y="0"/>
+          <a:ext cx="0" cy="0"/>
+          <a:chOff x="0" y="0"/>
+          <a:chExt cx="0" cy="0"/>
+        </a:xfrm>
+      </p:grpSpPr>
+      <p:sp>
+        <p:nvSpPr>
+          <p:cNvPr id="2" name="Title 1"/>
+          <p:cNvSpPr>
+            <a:spLocks noGrp="1"/>
+          </p:cNvSpPr>
+          <p:nvPr>
+            <p:ph type="title"/>
+          </p:nvPr>
+        </p:nvSpPr>
+        <p:spPr/>
+        <p:txBody>
+          <a:bodyPr/>
+          <a:lstStyle/>
+          <a:p>
+            <a:r>
+              <a:rPr lang="en-US" dirty="0" smtClean="0"/>
+              <a:t>Future directions</a:t>
+            </a:r>
+            <a:endParaRPr lang="en-US" dirty="0"/>
+          </a:p>
+        </p:txBody>
+      </p:sp>
+      <p:sp>
+        <p:nvSpPr>
+          <p:cNvPr id="3" name="Content Placeholder 2"/>
+          <p:cNvSpPr>
+            <a:spLocks noGrp="1"/>
+          </p:cNvSpPr>
+          <p:nvPr>
+            <p:ph idx="1"/>
+          </p:nvPr>
+        </p:nvSpPr>
+        <p:spPr/>
+        <p:txBody>
+          <a:bodyPr/>
+          <a:lstStyle/>
+          <a:p>
+            <a:r>
+              <a:rPr lang="en-US" dirty="0"/>
+              <a:t>Additional topologies analyzed</a:t>
+            </a:r>
+          </a:p>
+          <a:p>
+            <a:r>
+              <a:rPr lang="en-US" dirty="0"/>
+              <a:t>Verification of </a:t>
+            </a:r>
+            <a:r>
+              <a:rPr lang="en-US" dirty="0" smtClean="0"/>
+              <a:t>simulation</a:t>
+            </a:r>
+          </a:p>
+          <a:p>
+            <a:r>
+              <a:rPr lang="en-US" dirty="0" smtClean="0"/>
+              <a:t>Exploring other possible fitness metrics</a:t>
+            </a:r>
+            <a:endParaRPr lang="en-US" dirty="0"/>
+          </a:p>
+          <a:p>
+            <a:r>
+              <a:rPr lang="en-US" b="1" dirty="0"/>
+              <a:t>Evolutionary simulations</a:t>
+            </a:r>
+          </a:p>
+          <a:p>
+            <a:endParaRPr lang="en-US" dirty="0"/>
+          </a:p>
+        </p:txBody>
+      </p:sp>
+    </p:spTree>
+    <p:extLst>
+      <p:ext uri="{BB962C8B-B14F-4D97-AF65-F5344CB8AC3E}">
+        <p14:creationId xmlns:p14="http://schemas.microsoft.com/office/powerpoint/2010/main" val="2301260835"/>
+      </p:ext>
+    </p:extLst>
+  </p:cSld>
+  <p:clrMapOvr>
+    <a:masterClrMapping/>
+  </p:clrMapOvr>
+</p:sld>
+</file>
+
+<file path=ppt/slides/slide18.xml><?xml version="1.0" encoding="utf-8"?>
+<p:sld xmlns:a="http://schemas.openxmlformats.org/drawingml/2006/main" xmlns:r="http://schemas.openxmlformats.org/officeDocument/2006/relationships" xmlns:p="http://schemas.openxmlformats.org/presentationml/2006/main">
+  <p:cSld>
+    <p:spTree>
+      <p:nvGrpSpPr>
+        <p:cNvPr id="1" name=""/>
+        <p:cNvGrpSpPr/>
+        <p:nvPr/>
+      </p:nvGrpSpPr>
+      <p:grpSpPr>
+        <a:xfrm>
+          <a:off x="0" y="0"/>
+          <a:ext cx="0" cy="0"/>
+          <a:chOff x="0" y="0"/>
+          <a:chExt cx="0" cy="0"/>
+        </a:xfrm>
+      </p:grpSpPr>
+      <p:sp>
+        <p:nvSpPr>
+          <p:cNvPr id="2" name="Title 1"/>
+          <p:cNvSpPr>
+            <a:spLocks noGrp="1"/>
+          </p:cNvSpPr>
+          <p:nvPr>
+            <p:ph type="title"/>
+          </p:nvPr>
+        </p:nvSpPr>
+        <p:spPr>
+          <a:xfrm>
+            <a:off x="426117" y="3656012"/>
+            <a:ext cx="14020799" cy="1146192"/>
+          </a:xfrm>
+        </p:spPr>
+        <p:txBody>
+          <a:bodyPr/>
+          <a:lstStyle/>
+          <a:p>
+            <a:endParaRPr lang="en-US" dirty="0"/>
+          </a:p>
+        </p:txBody>
+      </p:sp>
+      <p:sp>
+        <p:nvSpPr>
+          <p:cNvPr id="3" name="Content Placeholder 2"/>
+          <p:cNvSpPr>
+            <a:spLocks noGrp="1"/>
+          </p:cNvSpPr>
+          <p:nvPr>
+            <p:ph idx="1"/>
+          </p:nvPr>
+        </p:nvSpPr>
+        <p:spPr/>
+        <p:txBody>
+          <a:bodyPr/>
+          <a:lstStyle/>
+          <a:p>
+            <a:endParaRPr lang="en-US"/>
+          </a:p>
+        </p:txBody>
+      </p:sp>
+      <p:pic>
+        <p:nvPicPr>
+          <p:cNvPr id="2050" name="Picture 2" descr="http://images.slideplayer.us/5/1528084/slides/slide_8.jpg"/>
+          <p:cNvPicPr>
+            <a:picLocks noChangeAspect="1" noChangeArrowheads="1"/>
+          </p:cNvPicPr>
+          <p:nvPr/>
+        </p:nvPicPr>
+        <p:blipFill>
+          <a:blip r:embed="rId2">
+            <a:extLst>
+              <a:ext uri="{28A0092B-C50C-407E-A947-70E740481C1C}">
+                <a14:useLocalDpi xmlns:a14="http://schemas.microsoft.com/office/drawing/2010/main" val="0"/>
+              </a:ext>
+            </a:extLst>
+          </a:blip>
+          <a:srcRect/>
+          <a:stretch>
+            <a:fillRect/>
+          </a:stretch>
+        </p:blipFill>
+        <p:spPr bwMode="auto">
+          <a:xfrm>
+            <a:off x="0" y="0"/>
+            <a:ext cx="12191999" cy="6858000"/>
+          </a:xfrm>
+          <a:prstGeom prst="rect">
+            <a:avLst/>
+          </a:prstGeom>
+          <a:noFill/>
+          <a:extLst>
+            <a:ext uri="{909E8E84-426E-40DD-AFC4-6F175D3DCCD1}">
+              <a14:hiddenFill xmlns:a14="http://schemas.microsoft.com/office/drawing/2010/main">
+                <a:solidFill>
+                  <a:srgbClr val="FFFFFF"/>
+                </a:solidFill>
+              </a14:hiddenFill>
+            </a:ext>
+          </a:extLst>
+        </p:spPr>
+      </p:pic>
+    </p:spTree>
+    <p:extLst>
+      <p:ext uri="{BB962C8B-B14F-4D97-AF65-F5344CB8AC3E}">
+        <p14:creationId xmlns:p14="http://schemas.microsoft.com/office/powerpoint/2010/main" val="2411521924"/>
       </p:ext>
     </p:extLst>
   </p:cSld>
@@ -3549,7 +4686,7 @@
         </p:spPr>
         <p:txBody>
           <a:bodyPr>
-            <a:normAutofit fontScale="92500" lnSpcReduction="10000"/>
+            <a:normAutofit/>
           </a:bodyPr>
           <a:lstStyle/>
           <a:p>
@@ -3613,23 +4750,12 @@
           <a:p>
             <a:r>
               <a:rPr lang="en-US" dirty="0" smtClean="0"/>
-              <a:t>Future directions</a:t>
-            </a:r>
-          </a:p>
-          <a:p>
-            <a:pPr lvl="1"/>
+              <a:t>Future </a:t>
+            </a:r>
             <a:r>
               <a:rPr lang="en-US" dirty="0" smtClean="0"/>
-              <a:t>Verification of simulation</a:t>
-            </a:r>
-          </a:p>
-          <a:p>
-            <a:pPr lvl="1"/>
-            <a:r>
-              <a:rPr lang="en-US" dirty="0" smtClean="0"/>
-              <a:t>Evolutionary simulations</a:t>
-            </a:r>
-            <a:endParaRPr lang="en-US" dirty="0"/>
+              <a:t>directions</a:t>
+            </a:r>
           </a:p>
         </p:txBody>
       </p:sp>
@@ -4588,7 +5714,6 @@
               <a:rPr lang="en-US" dirty="0" smtClean="0"/>
               <a:t> can fluctuate with a certain random distribution (ex: Gaussian)</a:t>
             </a:r>
-            <a:endParaRPr lang="en-US" dirty="0" smtClean="0"/>
           </a:p>
           <a:p>
             <a:r>
@@ -4959,8 +6084,8 @@
           </a:p>
         </p:txBody>
       </p:sp>
-      <mc:AlternateContent xmlns:mc="http://schemas.openxmlformats.org/markup-compatibility/2006">
-        <mc:Choice xmlns:a14="http://schemas.microsoft.com/office/drawing/2010/main" Requires="a14">
+      <mc:AlternateContent xmlns:mc="http://schemas.openxmlformats.org/markup-compatibility/2006" xmlns:a14="http://schemas.microsoft.com/office/drawing/2010/main">
+        <mc:Choice Requires="a14">
           <p:sp>
             <p:nvSpPr>
               <p:cNvPr id="3" name="Content Placeholder 2"/>
@@ -5072,7 +6197,7 @@
                         <m:begChr m:val="["/>
                         <m:endChr m:val="]"/>
                         <m:ctrlPr>
-                          <a:rPr lang="en-US" b="0" i="0" smtClean="0">
+                          <a:rPr lang="en-US" b="0" i="1" smtClean="0">
                             <a:latin typeface="Cambria Math" panose="02040503050406030204" pitchFamily="18" charset="0"/>
                           </a:rPr>
                         </m:ctrlPr>
@@ -5081,7 +6206,7 @@
                         <m:d>
                           <m:dPr>
                             <m:ctrlPr>
-                              <a:rPr lang="en-US" b="0" i="0" smtClean="0">
+                              <a:rPr lang="en-US" b="0" i="1" smtClean="0">
                                 <a:latin typeface="Cambria Math" panose="02040503050406030204" pitchFamily="18" charset="0"/>
                               </a:rPr>
                             </m:ctrlPr>
@@ -5099,7 +6224,7 @@
                             <m:d>
                               <m:dPr>
                                 <m:ctrlPr>
-                                  <a:rPr lang="en-US" b="0" i="0" smtClean="0">
+                                  <a:rPr lang="en-US" b="0" i="1" smtClean="0">
                                     <a:latin typeface="Cambria Math" panose="02040503050406030204" pitchFamily="18" charset="0"/>
                                   </a:rPr>
                                 </m:ctrlPr>
@@ -5202,11 +6327,7 @@
                 </a14:m>
                 <a:r>
                   <a:rPr lang="en-US" dirty="0" smtClean="0"/>
-                  <a:t>, then E*(3,</a:t>
-                </a:r>
-                <a:r>
-                  <a:rPr lang="en-US" dirty="0" smtClean="0"/>
-                  <a:t> </a:t>
+                  <a:t>, then E*(3, </a:t>
                 </a:r>
                 <a14:m>
                   <m:oMath xmlns:m="http://schemas.openxmlformats.org/officeDocument/2006/math">
@@ -5254,7 +6375,7 @@
                         <m:begChr m:val="["/>
                         <m:endChr m:val="]"/>
                         <m:ctrlPr>
-                          <a:rPr lang="en-US" b="0" i="0" smtClean="0">
+                          <a:rPr lang="en-US" b="0" i="1" smtClean="0">
                             <a:latin typeface="Cambria Math" panose="02040503050406030204" pitchFamily="18" charset="0"/>
                           </a:rPr>
                         </m:ctrlPr>
@@ -5356,11 +6477,7 @@
                 </a14:m>
                 <a:r>
                   <a:rPr lang="en-US" dirty="0" smtClean="0"/>
-                  <a:t>then E*(3,</a:t>
-                </a:r>
-                <a:r>
-                  <a:rPr lang="en-US" dirty="0" smtClean="0"/>
-                  <a:t> </a:t>
+                  <a:t>then E*(3, </a:t>
                 </a:r>
                 <a14:m>
                   <m:oMath xmlns:m="http://schemas.openxmlformats.org/officeDocument/2006/math">
@@ -5400,7 +6517,7 @@
             </p:txBody>
           </p:sp>
         </mc:Choice>
-        <mc:Fallback>
+        <mc:Fallback xmlns="">
           <p:sp>
             <p:nvSpPr>
               <p:cNvPr id="3" name="Content Placeholder 2"/>
@@ -5481,15 +6598,50 @@
           <a:p>
             <a:r>
               <a:rPr lang="en-US" dirty="0" smtClean="0"/>
-              <a:t>Combining topologies</a:t>
+              <a:t>Critical energies by varying N</a:t>
             </a:r>
             <a:endParaRPr lang="en-US" dirty="0"/>
+          </a:p>
+        </p:txBody>
+      </p:sp>
+      <p:sp>
+        <p:nvSpPr>
+          <p:cNvPr id="5" name="TextBox 4"/>
+          <p:cNvSpPr txBox="1"/>
+          <p:nvPr/>
+        </p:nvSpPr>
+        <p:spPr>
+          <a:xfrm>
+            <a:off x="838200" y="2463394"/>
+            <a:ext cx="4070299" cy="1508105"/>
+          </a:xfrm>
+          <a:prstGeom prst="rect">
+            <a:avLst/>
+          </a:prstGeom>
+          <a:noFill/>
+        </p:spPr>
+        <p:txBody>
+          <a:bodyPr wrap="square" rtlCol="0">
+            <a:spAutoFit/>
+          </a:bodyPr>
+          <a:lstStyle/>
+          <a:p>
+            <a:r>
+              <a:rPr lang="en-US" sz="2800" dirty="0" smtClean="0"/>
+              <a:t>In this graph we use C=1 and p=0.9</a:t>
+            </a:r>
+          </a:p>
+          <a:p>
+            <a:endParaRPr lang="en-US" dirty="0"/>
+          </a:p>
+          <a:p>
+            <a:endParaRPr lang="en-US" dirty="0" smtClean="0"/>
           </a:p>
         </p:txBody>
       </p:sp>
       <p:pic>
         <p:nvPicPr>
-          <p:cNvPr id="4" name="Content Placeholder 3"/>
+          <p:cNvPr id="7" name="Content Placeholder 6"/>
           <p:cNvPicPr>
             <a:picLocks noGrp="1" noChangeAspect="1"/>
           </p:cNvPicPr>
@@ -5498,25 +6650,28 @@
           </p:nvPr>
         </p:nvPicPr>
         <p:blipFill>
-          <a:blip r:embed="rId2"/>
+          <a:blip r:embed="rId2">
+            <a:extLst>
+              <a:ext uri="{28A0092B-C50C-407E-A947-70E740481C1C}">
+                <a14:useLocalDpi xmlns:a14="http://schemas.microsoft.com/office/drawing/2010/main" val="0"/>
+              </a:ext>
+            </a:extLst>
+          </a:blip>
           <a:stretch>
             <a:fillRect/>
           </a:stretch>
         </p:blipFill>
         <p:spPr>
           <a:xfrm>
-            <a:off x="4619625" y="2057401"/>
-            <a:ext cx="7572375" cy="4800600"/>
-          </a:xfrm>
-          <a:prstGeom prst="rect">
-            <a:avLst/>
-          </a:prstGeom>
+            <a:off x="5006645" y="1434694"/>
+            <a:ext cx="7048195" cy="5286146"/>
+          </a:xfrm>
         </p:spPr>
       </p:pic>
     </p:spTree>
     <p:extLst>
       <p:ext uri="{BB962C8B-B14F-4D97-AF65-F5344CB8AC3E}">
-        <p14:creationId xmlns:p14="http://schemas.microsoft.com/office/powerpoint/2010/main" val="3049683742"/>
+        <p14:creationId xmlns:p14="http://schemas.microsoft.com/office/powerpoint/2010/main" val="1505380783"/>
       </p:ext>
     </p:extLst>
   </p:cSld>
